--- a/pre.pptx
+++ b/pre.pptx
@@ -2950,7 +2950,9 @@
         </p:nvSpPr>
         <p:spPr/>
         <p:txBody>
-          <a:bodyPr/>
+          <a:bodyPr>
+            <a:normAutofit lnSpcReduction="20000"/>
+          </a:bodyPr>
           <a:p>
             <a:pPr algn="ctr"/>
             <a:r>
@@ -2964,6 +2966,14 @@
             <a:r>
               <a:rPr lang="en-US" altLang="zh-CN"/>
               <a:t>Xie Yu Ting YC17925</a:t>
+            </a:r>
+            <a:endParaRPr lang="en-US" altLang="zh-CN"/>
+          </a:p>
+          <a:p>
+            <a:pPr algn="ctr"/>
+            <a:r>
+              <a:rPr lang="en-US" altLang="zh-CN"/>
+              <a:t>Tam Ka Hou MC14959</a:t>
             </a:r>
             <a:endParaRPr lang="en-US" altLang="zh-CN"/>
           </a:p>
